--- a/Draft_Foundation_Heritage_Humility.pptx
+++ b/Draft_Foundation_Heritage_Humility.pptx
@@ -834,56 +834,17 @@
           <a:bodyPr/>
           <a:lstStyle/>
           <a:p>
-            <a:pPr>
-              <a:defRPr sz="1000"/>
-            </a:pPr>
-            <a:r>
-              <a:t>PRESENTER NOTES — SLIDE 11: COMMON CHALLENGES</a:t>
-            </a:r>
-            <a:br/>
-            <a:br/>
-            <a:r>
-              <a:t>Walk through each challenge:</a:t>
-            </a:r>
-            <a:br/>
-            <a:r>
-              <a:t>1. Dominant Personalities — "The 12&amp;12 teaches: group conscience, properly informed, proves wiser than any individual."</a:t>
-            </a:r>
-            <a:br/>
-            <a:r>
-              <a:t>2. Cliques — "P-16 reminds: We learn firsthand how to place principles before personalities."</a:t>
-            </a:r>
-            <a:br/>
-            <a:r>
-              <a:t>3. Outside Issues — "Stay focused on primary purpose."</a:t>
-            </a:r>
-            <a:br/>
-            <a:r>
-              <a:t>4. Financial — "Transparency and education are essential."</a:t>
-            </a:r>
-            <a:br/>
-            <a:r>
-              <a:t>5. Apathy — "Even making coffee is spiritually significant."</a:t>
-            </a:r>
-            <a:br/>
-            <a:br/>
-            <a:r>
-              <a:t>SMALL GROUP ACTIVITY (7 min): "In small groups: Pick one challenge your home group currently faces. Using the Traditions as your guide, brainstorm one concrete action your group could take. Report back in 5 minutes."</a:t>
-            </a:r>
-            <a:br/>
-            <a:br/>
-            <a:r>
-              <a:t>TRANSITION: "Before we close the morning session, let's sit with some of the key quotations that capture the essence of the home group."</a:t>
-            </a:r>
-            <a:br/>
-            <a:br/>
-            <a:r>
-              <a:t>--- ADDITIONAL TALKING POINTS (from interactive version) ---</a:t>
-            </a:r>
-            <a:br/>
-            <a:br/>
-            <a:r>
-              <a:t>FRAMING: 'Every home group struggles. That's not failure — it's life. A group that never faces challenges isn't doing anything. The Traditions already contain the solutions.' For each card, ask show of hands: 'Has your group experienced this?' DOMINANT PERSONALITIES (T2): 'The solution isn't silence — it's structures where all voices are heard equally.' CLIQUES (T3): 'The antidote is intentional inclusion. Assign greeters. Circle the chairs. Invite newcomers to sit with different people.' OUTSIDE ISSUES (T6,10): 'This is getting harder in a polarized world. Our meetings are the ONE place we set all that aside.' FINANCES (T7): 'Transparency. Regular reports. Education about where 7th Tradition money goes.' APATHY: 'The silent killer. The cure is showing that service IS recovery.' SMALL GROUP ACTIVITY (7 min timer): 'Pick ONE challenge your group currently faces. Using the Traditions, brainstorm ONE concrete action for THIS MONTH. Be specific.' 3-4 groups report back 2 min each. TRANSITION: 'Let me close the presentation with the words that capture everything we've discussed.'</a:t>
+            <a:r>
+              <a:rPr lang="en-US" dirty="0"/>
+              <a:t>PRESENTER NOTES — SLIDE 11: COMMON CHALLENGES
+Walk through each challenge:
+1. Dominant Personalities — "The 12&amp;12 teaches: group conscience, properly informed, proves wiser than any individual."
+2. Cliques — "P-16 reminds: We learn firsthand how to place principles before personalities."
+3. Outside Issues — "Stay focused on primary purpose."
+4. Financial — "Transparency and education are essential."
+5. Apathy — "Even making coffee is spiritually significant."
+SMALL GROUP ACTIVITY (7 min): "In small groups: Pick one challenge your home group currently faces. Using the Traditions as your guide, brainstorm one concrete action your group could take. Report back in 5 minutes."
+TRANSITION: "Before we close the morning session, let's sit with some of the key quotations that capture the essence of the home group."</a:t>
             </a:r>
             <a:endParaRPr lang="en-US" dirty="0"/>
           </a:p>
@@ -1352,78 +1313,22 @@
           <a:bodyPr/>
           <a:lstStyle/>
           <a:p>
-            <a:pPr>
-              <a:defRPr sz="1000"/>
-            </a:pPr>
-            <a:r>
-              <a:t>PRESENTER NOTES — SLIDE 16: LARRY J. &amp; HOUSTON</a:t>
-            </a:r>
-            <a:br/>
-            <a:br/>
-            <a:r>
-              <a:t>Set the scene:</a:t>
-            </a:r>
-            <a:br/>
-            <a:r>
-              <a:t>• "January 1940. A man is found in freezing Cleveland weather. One lung collapsed from tuberculosis, a tube protruding from his chest. Drunk himself into the gutter."</a:t>
-            </a:r>
-            <a:br/>
-            <a:r>
-              <a:t>• "Louis Seltzer, editor of the Cleveland Press, sent a search party. They found Larry J. His sponsors were Dr. Bob Smith and Clarence Snyder."</a:t>
-            </a:r>
-            <a:br/>
-            <a:br/>
-            <a:r>
-              <a:t>The remarkable detail:</a:t>
-            </a:r>
-            <a:br/>
-            <a:r>
-              <a:t>• "Larry had NEVER ATTENDED a single AA meeting. His sponsors gave him a Big Book the night before he left for Texas. On the train to Houston, reading that book, Larry experienced a spiritual awakening."</a:t>
-            </a:r>
-            <a:br/>
-            <a:br/>
-            <a:r>
-              <a:t>Accomplishments:</a:t>
-            </a:r>
-            <a:br/>
-            <a:r>
-              <a:t>• First Houston Meeting at the YWCA (March 1940)</a:t>
-            </a:r>
-            <a:br/>
-            <a:r>
-              <a:t>• The Houston Press articles became the first AA pamphlet ever published</a:t>
-            </a:r>
-            <a:br/>
-            <a:r>
-              <a:t>• By September 1940, Houston was one of only 9 'secure' groups in the entire U.S.</a:t>
-            </a:r>
-            <a:br/>
-            <a:br/>
-            <a:r>
-              <a:t>The Cautionary Lesson:</a:t>
-            </a:r>
-            <a:br/>
-            <a:r>
-              <a:t>• "Larry ran the group with 'something of an iron hand.' When democracy came, he pulled out and relapsed."</a:t>
-            </a:r>
-            <a:br/>
-            <a:r>
-              <a:t>• "But his legacy endured through the people he helped — including Esther E."</a:t>
-            </a:r>
-            <a:br/>
-            <a:br/>
-            <a:r>
-              <a:t>TRANSITION: "Before Esther arrives in Dallas, there's a false start we need to understand."</a:t>
-            </a:r>
-            <a:br/>
-            <a:br/>
-            <a:r>
-              <a:t>--- ADDITIONAL TALKING POINTS (from interactive version) ---</a:t>
-            </a:r>
-            <a:br/>
-            <a:br/>
-            <a:r>
-              <a:t>OPEN: 'Before Dallas could have AA, Texas itself needed the message. And that message arrived in the most unlikely way possible — carried by a man who had never attended a single AA meeting.' LARRY J. STORY: 'Picture this: Cleveland, Ohio, winter of 1939. A newspaper man named Larry Jewell is found in freezing weather with no coat. One lung collapsed from tuberculosis. The other has a tube protruding from his chest. He'd drunk himself into the gutter.' Let that image land. 'The editor of the Cleveland Press, Louis Seltzer, sent a search party to find him and paid for his hospitalization.' 'During his recovery, doctors told him to move to a warmer climate. The night before he left for Texas, his sponsors — Dr. Bob Smith, co-founder of AA, and Clarence Snyder — gave him a Big Book. That's it. One book.' 'On the train to Houston, reading that book, Larry had a spiritual awakening. He said he felt all in one piece again.' FUN FACT: 'Larry convinced the Houston Press to run 6 articles about AA. Those articles became the FIRST AA PAMPHLET EVER PUBLISHED — the only AA literature besides the Big Book until late 1940.' TEXAS PRAYER: 'On April 1, 1940, Larry wrote The Texas Prayer — used to open AA meetings throughout Texas for years. Texas had its own identity from Day One.' CAUTIONARY NOTE: 'But Larry struggled with his leadership style. He ran the Houston group with what they called an iron hand. When the group voted for a steering committee, Larry pulled out resentfully and relapsed. He died in 1943.' 'His legacy? The people he helped included a woman named Esther E. — who would carry the message to Dallas.' TRANSITION: 'But before Esther got to Dallas, someone else tried first. And failed spectacularly.'</a:t>
+            <a:r>
+              <a:rPr lang="en-US" dirty="0"/>
+              <a:t>PRESENTER NOTES — SLIDE 16: LARRY J. &amp; HOUSTON
+Set the scene:
+• "January 1940. A man is found in freezing Cleveland weather. One lung collapsed from tuberculosis, a tube protruding from his chest. Drunk himself into the gutter."
+• "Louis Seltzer, editor of the Cleveland Press, sent a search party. They found Larry J. His sponsors were Dr. Bob Smith and Clarence Snyder."
+The remarkable detail:
+• "Larry had NEVER ATTENDED a single AA meeting. His sponsors gave him a Big Book the night before he left for Texas. On the train to Houston, reading that book, Larry experienced a spiritual awakening."
+Accomplishments:
+• First Houston Meeting at the YWCA (March 1940)
+• The Houston Press articles became the first AA pamphlet ever published
+• By September 1940, Houston was one of only 9 'secure' groups in the entire U.S.
+The Cautionary Lesson:
+• "Larry ran the group with 'something of an iron hand.' When democracy came, he pulled out and relapsed."
+• "But his legacy endured through the people he helped — including Esther E."
+TRANSITION: "Before Esther arrives in Dallas, there's a false start we need to understand."</a:t>
             </a:r>
             <a:endParaRPr lang="en-US" dirty="0"/>
           </a:p>
@@ -1509,69 +1414,20 @@
           <a:bodyPr/>
           <a:lstStyle/>
           <a:p>
-            <a:pPr>
-              <a:defRPr sz="1000"/>
-            </a:pPr>
-            <a:r>
-              <a:t>PRESENTER NOTES — SLIDE 17: KENT W. — THE FALSE START</a:t>
-            </a:r>
-            <a:br/>
-            <a:br/>
-            <a:r>
-              <a:t>Ruth T.'s Cry for Help (June 14, 1941):</a:t>
-            </a:r>
-            <a:br/>
-            <a:r>
-              <a:t>• "The earliest recorded impulse for recovery in Dallas: Ruth T. sent a letter to Ruth Hock, Bill Wilson's secretary. A lone woman desperately seeking connection. Remember her name — she'll appear again."</a:t>
-            </a:r>
-            <a:br/>
-            <a:br/>
-            <a:r>
-              <a:t>Kent W. Arrives (December 1, 1941):</a:t>
-            </a:r>
-            <a:br/>
-            <a:r>
-              <a:t>• "Kent arrived with sobriety from Florida, a PR background, and a title he gave himself: 'Chief Sponsor.'"</a:t>
-            </a:r>
-            <a:br/>
-            <a:r>
-              <a:t>• "He held meetings at the White Plaza Hotel. Used newspaper publicity. Got 12 attendees and 72 inquiries..."</a:t>
-            </a:r>
-            <a:br/>
-            <a:r>
-              <a:t>• "Then complete collapse. Kent W. was 'never heard from again.'"</a:t>
-            </a:r>
-            <a:br/>
-            <a:br/>
-            <a:r>
-              <a:t>The comparison table on screen shows HOW it failed:</a:t>
-            </a:r>
-            <a:br/>
-            <a:r>
-              <a:t>• Hierarchical leadership → Tradition 2 violated</a:t>
-            </a:r>
-            <a:br/>
-            <a:r>
-              <a:t>• Commercial venue → Tradition 5 violated</a:t>
-            </a:r>
-            <a:br/>
-            <a:r>
-              <a:t>• Newspaper promotion → Tradition 11 violated</a:t>
-            </a:r>
-            <a:br/>
-            <a:br/>
-            <a:r>
-              <a:t>TRANSITION: "Now let's meet the woman who got it right."</a:t>
-            </a:r>
-            <a:br/>
-            <a:br/>
-            <a:r>
-              <a:t>--- ADDITIONAL TALKING POINTS (from interactive version) ---</a:t>
-            </a:r>
-            <a:br/>
-            <a:br/>
-            <a:r>
-              <a:t>OPEN: 'The history of AA in Dallas does NOT begin with success. It begins with failure — and that failure teaches lessons still relevant today.' RUTH T.: 'The earliest recorded impulse for recovery in Dallas came from Ruth T., who on June 14, 1941, sent a letter to Ruth Hock — Bill Wilson's secretary in New York — asking about AA in her area. Think about that: a lone woman, desperately seeking help, in a city with NO meetings. The demand for recovery existed before any supply.' KENT W.: 'On December 1, 1941, Kent W. arrived in Dallas. He'd gotten sober in Florida and came with a public relations background. He called himself the CHIEF SPONSOR of Dallas AA.' Let that title land. 'Chief Sponsor. That directly contradicts Tradition Two — Our leaders are but trusted servants; they do not govern.' 'Kent organized a meeting at the White Plaza Hotel on January 7, 1942. Despite severe weather, twelve people showed up, and a Dallas Morning News story generated 72 inquiries. Looked promising, right?' Pause. 'The whole thing collapsed. Kent W. was never heard from again.' INTERACTIVE: Click through the comparison table on screen. Ask: 'Which approach sounds more like your home group — Kent's or what we talked about this morning?' DISCUSSION: 'Why did Kent's approach fail? What Traditions — even though they hadn't been written yet — was he violating?' Let 2-3 people respond. TRANSITION: 'Kent's failure cleared the ground. And in 1943, a woman arrived who would do it right.'</a:t>
+            <a:r>
+              <a:rPr lang="en-US" dirty="0"/>
+              <a:t>PRESENTER NOTES — SLIDE 17: KENT W. — THE FALSE START
+Ruth T.'s Cry for Help (June 14, 1941):
+• "The earliest recorded impulse for recovery in Dallas: Ruth T. sent a letter to Ruth Hock, Bill Wilson's secretary. A lone woman desperately seeking connection. Remember her name — she'll appear again."
+Kent W. Arrives (December 1, 1941):
+• "Kent arrived with sobriety from Florida, a PR background, and a title he gave himself: 'Chief Sponsor.'"
+• "He held meetings at the White Plaza Hotel. Used newspaper publicity. Got 12 attendees and 72 inquiries..."
+• "Then complete collapse. Kent W. was 'never heard from again.'"
+The comparison table on screen shows HOW it failed:
+• Hierarchical leadership → Tradition 2 violated
+• Commercial venue → Tradition 5 violated
+• Newspaper promotion → Tradition 11 violated
+TRANSITION: "Now let's meet the woman who got it right."</a:t>
             </a:r>
             <a:endParaRPr lang="en-US" dirty="0"/>
           </a:p>
@@ -1657,88 +1513,24 @@
           <a:bodyPr/>
           <a:lstStyle/>
           <a:p>
-            <a:pPr>
-              <a:defRPr sz="1000"/>
-            </a:pPr>
-            <a:r>
-              <a:t>PRESENTER NOTES — SLIDE 18: ESTHER E. — DALLAS FOUNDED</a:t>
-            </a:r>
-            <a:br/>
-            <a:br/>
-            <a:r>
-              <a:t>"A Flower of the South" — that's the title of Esther's story in the Big Book (2nd &amp; 3rd Editions, pp. 384-392).</a:t>
-            </a:r>
-            <a:br/>
-            <a:br/>
-            <a:r>
-              <a:t>Her inscribed Big Book remains at the Dallas Central Office to this day.</a:t>
-            </a:r>
-            <a:br/>
-            <a:br/>
-            <a:r>
-              <a:t>The Journey:</a:t>
-            </a:r>
-            <a:br/>
-            <a:r>
-              <a:t>• Raised in New Orleans where wine with dinner was normal</a:t>
-            </a:r>
-            <a:br/>
-            <a:r>
-              <a:t>• At her wedding, her father ordered a servant to bring her a drink — a water glass full of bourbon</a:t>
-            </a:r>
-            <a:br/>
-            <a:r>
-              <a:t>• Tried every treatment available: "the Sanitarium three times"</a:t>
-            </a:r>
-            <a:br/>
-            <a:br/>
-            <a:r>
-              <a:t>The Turning Point:</a:t>
-            </a:r>
-            <a:br/>
-            <a:r>
-              <a:t>• READ: Esther's husband's ultimatum from the Jack Alexander article</a:t>
-            </a:r>
-            <a:br/>
-            <a:r>
-              <a:t>• Sobriety date: May 16, 1941</a:t>
-            </a:r>
-            <a:br/>
-            <a:br/>
-            <a:r>
-              <a:t>Esther Writes to New York (March 29, 1943):</a:t>
-            </a:r>
-            <a:br/>
-            <a:r>
-              <a:t>• READ: "This is where I had been so sick for five years... I've lots to do. First off, four doctors to call on and let them look over 'exhibit A' (me)!"</a:t>
-            </a:r>
-            <a:br/>
-            <a:br/>
-            <a:r>
-              <a:t>APRIL 2, 1943 — THE FOUNDING:</a:t>
-            </a:r>
-            <a:br/>
-            <a:r>
-              <a:t>• "Ruth T. was there — the woman who wrote that first letter in 1941. Two years of waiting. The seeker and the carrier finally united."</a:t>
-            </a:r>
-            <a:br/>
-            <a:br/>
-            <a:r>
-              <a:t>The Contrast:</a:t>
-            </a:r>
-            <a:br/>
-            <a:r>
-              <a:t>• "Kent's hotel attracted curiosity. Esther's living room fostered intimacy. The home group concept began in a home."</a:t>
-            </a:r>
-            <a:br/>
-            <a:br/>
-            <a:r>
-              <a:t>--- ADDITIONAL TALKING POINTS (from interactive version) ---</a:t>
-            </a:r>
-            <a:br/>
-            <a:br/>
-            <a:r>
-              <a:t>OPEN: 'If Kent W. represented the promotional false start, Esther E. represented the spiritual bedrock upon which ALL Dallas AA was built. Her story, A Flower of the South, appears in the Big Book.' ESTHER'S BACKGROUND: 'Raised in New Orleans. Social drinking was normal — wine with dinner, cordials after. At her own wedding, seeing her nervousness, her father ordered a servant to bring her something to drink. The servant brought a water glass full of bourbon.' Let the room react. 'She lived in Dallas 1927-1932, trying all the doctors, hospitals, and cures — the Sanitarium three times. Then moved to Houston where her drinking continued to escalate.' 'Her bottom? She was arrested while walking the dog. A patrol car saw her staggering.' SATURDAY EVENING POST: 'This is where history turns on a pivotal moment. A few weeks before Esther hit bottom, her husband read the Jack Alexander article in the Saturday Evening Post — March 1, 1941. This is the article that quadrupled AA membership in one year — from 2,000 to 8,000 members.' 'Her husband showed her the article with an ultimatum: If you will try this thing, I'll go along with you. If you don't, you will have to go home. I cannot sit by and watch you destroy yourself!' 'Esther wrote to New York. Within a week she received AA literature and a hand-written letter from Ruth Hock. That personal touch, she later said, did a lot to help.' SOBRIETY DATE: May 16, 1941. FOUNDING OF DALLAS AA: 'In her second year sober, Esther transferred to Dallas. She found a vacuum — Kent W.'s efforts had evaporated. The phone number Ruth Hock gave her was disconnected.' READ her March 29, 1943 letter: 'This is where I had been so sick for five years...' 'On April 2, 1943, the first meeting of The Dallas Group was held in Esther's home. And here's the beautiful part — Ruth T. was there. The woman who wrote that letter seeking help in 1941. The seeker and the carrier of the message finally united.' 'THIS DATE — April 2, 1943 — marks the lineage point for EVERY AA group in the Dallas metroplex today.' Let that land with weight. FUN FACTS: 'The group met Tuesdays and Fridays at 8 PM. Strictly speaker meetings. News spread by word of mouth only. By 1945, fewer than twenty people were sober in all of Dallas.' 'Esther's Big Book, inscribed by Bill Wilson, remains at the Dallas Central Office to this day.' 'She died June 3, 1960, with more than nineteen years of sobriety.' MOMENT: Ask for a moment of silence for Esther E. TRANSITION: 'From Esther's living room, the fellowship began to grow...'</a:t>
+            <a:r>
+              <a:rPr lang="en-US" dirty="0"/>
+              <a:t>PRESENTER NOTES — SLIDE 18: ESTHER E. — DALLAS FOUNDED
+"A Flower of the South" — that's the title of Esther's story in the Big Book (2nd &amp; 3rd Editions, pp. 384-392).
+Her inscribed Big Book remains at the Dallas Central Office to this day.
+The Journey:
+• Raised in New Orleans where wine with dinner was normal
+• At her wedding, her father ordered a servant to bring her a drink — a water glass full of bourbon
+• Tried every treatment available: "the Sanitarium three times"
+The Turning Point:
+• READ: Esther's husband's ultimatum from the Jack Alexander article
+• Sobriety date: May 16, 1941
+Esther Writes to New York (March 29, 1943):
+• READ: "This is where I had been so sick for five years... I've lots to do. First off, four doctors to call on and let them look over 'exhibit A' (me)!"
+APRIL 2, 1943 — THE FOUNDING:
+• "Ruth T. was there — the woman who wrote that first letter in 1941. Two years of waiting. The seeker and the carrier finally united."
+The Contrast:
+• "Kent's hotel attracted curiosity. Esther's living room fostered intimacy. The home group concept began in a home."</a:t>
             </a:r>
             <a:endParaRPr lang="en-US" dirty="0"/>
           </a:p>
@@ -1927,73 +1719,21 @@
           <a:bodyPr/>
           <a:lstStyle/>
           <a:p>
-            <a:pPr>
-              <a:defRPr sz="1000"/>
-            </a:pPr>
-            <a:r>
-              <a:t>PRESENTER NOTES — SLIDE 19: SEARCY W. &amp; SUBURBAN GROUP</a:t>
-            </a:r>
-            <a:br/>
-            <a:br/>
-            <a:r>
-              <a:t>Searcy W.:</a:t>
-            </a:r>
-            <a:br/>
-            <a:r>
-              <a:t>• "First heard about AA in 1945 from an old drinking buddy. Lost his job, stayed drunk until April 1946."</a:t>
-            </a:r>
-            <a:br/>
-            <a:r>
-              <a:t>• "On his THIRD DAY in a drying out place off Maple Street, someone took him to a meeting at 912 Main Street."</a:t>
-            </a:r>
-            <a:br/>
-            <a:r>
-              <a:t>• "Sobriety date: May 5, 1946. He maintained 57 years of continuous sobriety until death in 2003."</a:t>
-            </a:r>
-            <a:br/>
-            <a:br/>
-            <a:r>
-              <a:t>The Suburban Group:</a:t>
-            </a:r>
-            <a:br/>
-            <a:r>
-              <a:t>• "September 1946 — just FOUR MONTHS after getting sober, Searcy helped create the first neighborhood group."</a:t>
-            </a:r>
-            <a:br/>
-            <a:r>
-              <a:t>• "This was revolutionary: AA decentralized from downtown to where people actually lived."</a:t>
-            </a:r>
-            <a:br/>
-            <a:r>
-              <a:t>• "The Suburban Group became the mother of many Dallas groups."</a:t>
-            </a:r>
-            <a:br/>
-            <a:br/>
-            <a:r>
-              <a:t>Dallas Central Office (Sept 18, 1947):</a:t>
-            </a:r>
-            <a:br/>
-            <a:r>
-              <a:t>• "With only 2 active groups, they opened a service office. An act of profound faith."</a:t>
-            </a:r>
-            <a:br/>
-            <a:r>
-              <a:t>• "Dick P., first manager, suffered from 'Jamaica Ginger Paralysis' — permanent disability from toxic Prohibition-era alcohol. Despite his disability, he managed the phones."</a:t>
-            </a:r>
-            <a:br/>
-            <a:br/>
-            <a:r>
-              <a:t>QUICK QUESTION: "Does anyone here know which group YOUR home group descended from? Every group has a genealogy."</a:t>
-            </a:r>
-            <a:br/>
-            <a:br/>
-            <a:r>
-              <a:t>--- ADDITIONAL TALKING POINTS (from interactive version) ---</a:t>
-            </a:r>
-            <a:br/>
-            <a:br/>
-            <a:r>
-              <a:t>OPEN: 'World War II changed everything for America — and for AA. Veterans returned with trauma and alcoholism. The fellowship needed to grow and adapt. Enter one of the most important figures in Dallas AA history.' SEARCY W.: 'Searcy Whaley first heard about AA in 1945 from an old drinking buddy. After losing his job in November 1945, he stayed drunk until April 1946. When he came to Dallas to find AA, he was placed in a drying out place off Maple Street — the only facility in Dallas that would accept alcoholics. On his third day, someone took him to a meeting at 912½ Main Street.' SOBRIETY DATE: May 5, 1946. '57 years of continuous sobriety until his death in September 2003.' SUBURBAN GROUP: 'In September 1946, just four months after getting sober, Searcy and others founded the Suburban Group at Dickason and Sale Streets, near Lee Park. This was pivotal because it marked the FIRST DECENTRALIZATION of AA from downtown to neighborhoods. It created the prototype for the neighborhood group.' LIST THE OFFSPRING: Preston Group, Belmont, Belwood, Central, Town North, and many others. 'Your group may trace its lineage directly to the Suburban Group.' OAK CLIFF: 'The Oak Cliff Group formed around the same time — establishing AA south of downtown.' CENTRAL OFFICE: 'By 1947, with only TWO active groups, local leadership opened the Dallas Central Office on September 18, 1947, in the Davis Building on Akard Street. The first manager was Dick P., who suffered from Jamaica Ginger Paralysis — a permanent disability from toxic Prohibition-era alcohol. Despite his disability, he managed the phones and coordinated Twelfth Step calls.' 'Establishing a Central Office with only two groups was an act of profound faith.' GROWTH STATS: By 1968: 8-9 groups. By 1973: 30 groups. Today: 160+ groups. TRANSITION: 'But the most remarkable chapter in Dallas AA history involves a man whose name every AA member knows — even if they don't know his Dallas connection.'</a:t>
+            <a:r>
+              <a:rPr lang="en-US" dirty="0"/>
+              <a:t>PRESENTER NOTES — SLIDE 19: SEARCY W. &amp; SUBURBAN GROUP
+Searcy W.:
+• "First heard about AA in 1945 from an old drinking buddy. Lost his job, stayed drunk until April 1946."
+• "On his THIRD DAY in a drying out place off Maple Street, someone took him to a meeting at 912 Main Street."
+• "Sobriety date: May 5, 1946. He maintained 57 years of continuous sobriety until death in 2003."
+The Suburban Group:
+• "September 1946 — just FOUR MONTHS after getting sober, Searcy helped create the first neighborhood group."
+• "This was revolutionary: AA decentralized from downtown to where people actually lived."
+• "The Suburban Group became the mother of many Dallas groups."
+Dallas Central Office (Sept 18, 1947):
+• "With only 2 active groups, they opened a service office. An act of profound faith."
+• "Dick P., first manager, suffered from 'Jamaica Ginger Paralysis' — permanent disability from toxic Prohibition-era alcohol. Despite his disability, he managed the phones."
+QUICK QUESTION: "Does anyone here know which group YOUR home group descended from? Every group has a genealogy."</a:t>
             </a:r>
             <a:endParaRPr lang="en-US" dirty="0"/>
           </a:p>
@@ -2079,72 +1819,21 @@
           <a:bodyPr/>
           <a:lstStyle/>
           <a:p>
-            <a:pPr>
-              <a:defRPr sz="1000"/>
-            </a:pPr>
-            <a:r>
-              <a:t>PRESENTER NOTES — SLIDE 20: EBBY THACHER IN DALLAS</a:t>
-            </a:r>
-            <a:br/>
-            <a:br/>
-            <a:r>
-              <a:t>First, the Traditions Story:</a:t>
-            </a:r>
-            <a:br/>
-            <a:r>
-              <a:t>• "In 1948, Searcy arranged for Bill Wilson to visit. On the airplane, Bill showed him handwritten notes — the Traditions."</a:t>
-            </a:r>
-            <a:br/>
-            <a:r>
-              <a:t>• READ: Searcy's dismissive response: "We don't need this down here. We love each other."</a:t>
-            </a:r>
-            <a:br/>
-            <a:r>
-              <a:t>• "At the 1950 International Convention (8,000-9,000 people), the Traditions were adopted with NO dissenting votes. Searcy came to understand they weren't restrictions but protections."</a:t>
-            </a:r>
-            <a:br/>
-            <a:br/>
-            <a:r>
-              <a:t>Ebby's Story — tell it dramatically:</a:t>
-            </a:r>
-            <a:br/>
-            <a:r>
-              <a:t>• "Ebby first carried the message to Bill Wilson in November 1934. Without Ebby, there is NO Bill W. Without Bill W., there is NO AA."</a:t>
-            </a:r>
-            <a:br/>
-            <a:r>
-              <a:t>• "But Ebby struggled for 18 years after helping Bill get sober."</a:t>
-            </a:r>
-            <a:br/>
-            <a:r>
-              <a:t>• "When Bill visited Dallas in 1953, Searcy asked what he'd most like to see. Bill said: 'I'd rather see Ebby have a chance to get sober.'"</a:t>
-            </a:r>
-            <a:br/>
-            <a:r>
-              <a:t>• "Friends found Ebby on the Bowery in NYC. Sent him to Dallas with a pint of whiskey. He arrived cussing out everyone."</a:t>
-            </a:r>
-            <a:br/>
-            <a:r>
-              <a:t>• "Eventually, he asked to attend a meeting. He got sober at the Suburban Club."</a:t>
-            </a:r>
-            <a:br/>
-            <a:r>
-              <a:t>• "The same fellowship that grew from his original message could later save him."</a:t>
-            </a:r>
-            <a:br/>
-            <a:br/>
-            <a:r>
-              <a:t>REFLECTION (2 min): "Ebby struggled for 18 years. What does his story teach us about never giving up on anyone?"</a:t>
-            </a:r>
-            <a:br/>
-            <a:br/>
-            <a:r>
-              <a:t>--- ADDITIONAL TALKING POINTS (from interactive version) ---</a:t>
-            </a:r>
-            <a:br/>
-            <a:br/>
-            <a:r>
-              <a:t>OPEN: 'This is the story that gives me chills every time I tell it.' SETUP: 'How many of you know who Ebby Thacher is?' Likely many hands. 'Ebby is the man who FIRST carried the message to Bill Wilson in November 1934. Without Ebby, there is no Bill W. Without Bill W., there is no AA. Ebby is the spark that lit the fire.' 'But here's what most people don't know: Ebby struggled with sobriety for 18 YEARS after helping Bill get sober. Eighteen years.' SEARCY AND THE TRADITIONS: 'Before we get to Ebby, another Searcy W. story. In 1948, 25 AA members from across Texas met in Lubbock. Searcy arranged for Bill Wilson to attend. On the airplane, Bill showed Searcy his handwritten notes — the original Twelve Traditions.' 'Searcy's response? He said: We don't need this down here. We love each other.' 'At the 1950 International Convention in Cleveland — 8,000 to 9,000 people — the Twelve Traditions were adopted with NO dissenting votes. Dr. Bob and Bill personally schooled Searcy on the Traditions. He came to understand they weren't restrictions but protections.' EBBY'S DALLAS STORY: 'In early 1953, Bill Wilson visited Dallas and met with Searcy. Bill asked what he would most like to see happen in AA. Searcy asked the same of Bill. Bill's answer: I'd rather see Ebby have a chance to get sober.' 'Mutual friends found Ebby on the Bowery in New York City. Dried him out briefly. And sent him to Dallas with a pint of whiskey.' 'He arrived at Searcy's clinic in poor condition — cussing out Bill and Dr. Bob and everybody else. Eventually, he asked to attend a meeting.' 'He got sober at the Suburban Club.' Let that land. 'The same fellowship that had grown from HIS original message to Bill Wilson could later save HIM.' 'Ebby stayed sober in Dallas for 4-5 years, with a brief slip in 1954. He met Chloe K. in 1954 and maintained seven years of sobriety. He left Dallas around 1958 and died March 21, 1966, with 2½ years of sobriety.' REFLECTION: 'What does Ebby's story teach us about never giving up on anyone?' Let 2-3 people share. TRANSITION: 'Now let's look at the bigger picture — how all of this connects to where we are today.'</a:t>
+            <a:r>
+              <a:rPr lang="en-US" dirty="0"/>
+              <a:t>PRESENTER NOTES — SLIDE 20: EBBY THACHER IN DALLAS
+First, the Traditions Story:
+• "In 1948, Searcy arranged for Bill Wilson to visit. On the airplane, Bill showed him handwritten notes — the Traditions."
+• READ: Searcy's dismissive response: "We don't need this down here. We love each other."
+• "At the 1950 International Convention (8,000-9,000 people), the Traditions were adopted with NO dissenting votes. Searcy came to understand they weren't restrictions but protections."
+Ebby's Story — tell it dramatically:
+• "Ebby first carried the message to Bill Wilson in November 1934. Without Ebby, there is NO Bill W. Without Bill W., there is NO AA."
+• "But Ebby struggled for 18 years after helping Bill get sober."
+• "When Bill visited Dallas in 1953, Searcy asked what he'd most like to see. Bill said: 'I'd rather see Ebby have a chance to get sober.'"
+• "Friends found Ebby on the Bowery in NYC. Sent him to Dallas with a pint of whiskey. He arrived cussing out everyone."
+• "Eventually, he asked to attend a meeting. He got sober at the Suburban Club."
+• "The same fellowship that grew from his original message could later save him."
+REFLECTION (2 min): "Ebby struggled for 18 years. What does his story teach us about never giving up on anyone?"</a:t>
             </a:r>
             <a:endParaRPr lang="en-US" dirty="0"/>
           </a:p>
@@ -2230,69 +1919,20 @@
           <a:bodyPr/>
           <a:lstStyle/>
           <a:p>
-            <a:pPr>
-              <a:defRPr sz="1000"/>
-            </a:pPr>
-            <a:r>
-              <a:t>PRESENTER NOTES — SLIDE 21: FORT WORTH &amp; NETA 65</a:t>
-            </a:r>
-            <a:br/>
-            <a:br/>
-            <a:r>
-              <a:t>Fort Worth History:</a:t>
-            </a:r>
-            <a:br/>
-            <a:r>
-              <a:t>• "George McL. wrote to New York on June 4, 1941. They told him the only Texas group was in Houston."</a:t>
-            </a:r>
-            <a:br/>
-            <a:r>
-              <a:t>• "By July 23, 1941, Fort Worth held its first meeting."</a:t>
-            </a:r>
-            <a:br/>
-            <a:r>
-              <a:t>• "Ralph, a railroad switchman and former deputy sheriff, became 'an apostle for the Fellowship.'"</a:t>
-            </a:r>
-            <a:br/>
-            <a:br/>
-            <a:r>
-              <a:t>Two Types of Service:</a:t>
-            </a:r>
-            <a:br/>
-            <a:r>
-              <a:t>• Intergroup = Carrying the message (schedules, hotline, website)</a:t>
-            </a:r>
-            <a:br/>
-            <a:r>
-              <a:t>• General Service = Protecting the message (Traditions, Concepts, connecting to Conference)</a:t>
-            </a:r>
-            <a:br/>
-            <a:br/>
-            <a:r>
-              <a:t>Organizational Timeline: Walk through the growth from 2 groups in 1947 to 160+ today.</a:t>
-            </a:r>
-            <a:br/>
-            <a:br/>
-            <a:r>
-              <a:t>District 22:</a:t>
-            </a:r>
-            <a:br/>
-            <a:r>
-              <a:t>• "District 22 is OUR home in the NETA 65 structure. Our groups, our GSRs, our DCM — all connecting us to the larger fellowship."</a:t>
-            </a:r>
-            <a:br/>
-            <a:r>
-              <a:t>• "Through your home group's GSR → District 22 → NETA Area 65 → General Service Conference, YOUR voice reaches all of AA."</a:t>
-            </a:r>
-            <a:br/>
-            <a:br/>
-            <a:r>
-              <a:t>--- ADDITIONAL TALKING POINTS (from interactive version) ---</a:t>
-            </a:r>
-            <a:br/>
-            <a:br/>
-            <a:r>
-              <a:t>OPEN: 'While Dallas was organizing, Fort Worth was building its own recovery infrastructure — creating a dual-hub system across North Texas.' FORT WORTH: 'June 4, 1941 — AA's New York office answered George McL.'s handwritten letter, telling him the only Texas group was in Houston. On July 23, 1941, Fort Worth held its first group meeting. George wrote to New York the next day: I am happy to report that I have the A.A. well on its way in Fort Worth. At our meeting last night we had seven members.' 'Continuous AA activity in Fort Worth dates to August 28, 1943 — when Ralph, a railroad switchman and former deputy sheriff, sought George's help after a painful drunk. Ralph became an apostle for the Fellowship — one of the most zealous Twelfth-Steppers of all time.' 'The Fort Worth Central Office wasn't established until late summer 1977, after two previous attempts had failed.' NETA 65: 'Walk through the organizational evolution: Dallas Central Office evolved to Intergroup (1968), incorporated (1989), and renamed Dallas AA Central Office (2000). The 24/7 hotline is 214-887-6699.' 'NETA 65 connects the region to the General Service Conference. Covers northeast Texas from Texarkana to Abilene to Waco to the Texas/Louisiana border — 29 districts and over 512 groups.' 'The distinction is crucial: Intergroup is about CARRYING the message — Twelfth Step. General Service is about PROTECTING the message — Traditions and Concepts.' DISTRICT 22: 'This is US. District 22 is our home in the NETA 65 structure. Our groups, our GSRs, our DCM — all connecting us to the larger fellowship.' TRANSITION: 'Let's put this all together in a timeline...'</a:t>
+            <a:r>
+              <a:rPr lang="en-US" dirty="0"/>
+              <a:t>PRESENTER NOTES — SLIDE 21: FORT WORTH &amp; NETA 65
+Fort Worth History:
+• "George McL. wrote to New York on June 4, 1941. They told him the only Texas group was in Houston."
+• "By July 23, 1941, Fort Worth held its first meeting."
+• "Ralph, a railroad switchman and former deputy sheriff, became 'an apostle for the Fellowship.'"
+Two Types of Service:
+• Intergroup = Carrying the message (schedules, hotline, website)
+• General Service = Protecting the message (Traditions, Concepts, connecting to Conference)
+Organizational Timeline: Walk through the growth from 2 groups in 1947 to 160+ today.
+District 22:
+• "District 22 is OUR home in the NETA 65 structure. Our groups, our GSRs, our DCM — all connecting us to the larger fellowship."
+• "Through your home group's GSR → District 22 → NETA Area 65 → General Service Conference, YOUR voice reaches all of AA."</a:t>
             </a:r>
             <a:endParaRPr lang="en-US" dirty="0"/>
           </a:p>
@@ -4398,80 +4038,22 @@
           <a:bodyPr/>
           <a:lstStyle/>
           <a:p>
-            <a:pPr>
-              <a:defRPr sz="1000"/>
-            </a:pPr>
-            <a:r>
-              <a:t>PRESENTER NOTES — SLIDE 8: TWELVE TRADITIONS &amp; HOME GROUP</a:t>
-            </a:r>
-            <a:br/>
-            <a:br/>
-            <a:r>
-              <a:t>Walk through each Tradition:</a:t>
-            </a:r>
-            <a:br/>
-            <a:br/>
-            <a:r>
-              <a:t>Tradition 1 — Unity:</a:t>
-            </a:r>
-            <a:br/>
-            <a:r>
-              <a:t>• READ: "Each member of AA is but a small part of a great whole." — Long Form</a:t>
-            </a:r>
-            <a:br/>
-            <a:r>
-              <a:t>• "Without unity, the heart of AA would cease to beat." — 12&amp;12, p. 129</a:t>
-            </a:r>
-            <a:br/>
-            <a:br/>
-            <a:r>
-              <a:t>Tradition 2 — Group Conscience:</a:t>
-            </a:r>
-            <a:br/>
-            <a:r>
-              <a:t>• "Harder still to accept was the now proven fact that the conscience of the group, when properly informed, was often wiser than any leader." — AA Comes of Age, p. 99</a:t>
-            </a:r>
-            <a:br/>
-            <a:br/>
-            <a:r>
-              <a:t>Tradition 3 — Membership:</a:t>
-            </a:r>
-            <a:br/>
-            <a:r>
-              <a:t>• "You are an AA member if you say so. You can declare yourself in; nobody can keep you out."</a:t>
-            </a:r>
-            <a:br/>
-            <a:br/>
-            <a:r>
-              <a:t>Tradition 4 — Autonomy:</a:t>
-            </a:r>
-            <a:br/>
-            <a:r>
-              <a:t>• "This allows each home group to develop its own character while maintaining connection to AA's principles."</a:t>
-            </a:r>
-            <a:br/>
-            <a:br/>
-            <a:r>
-              <a:t>Tradition 5 — Primary Purpose:</a:t>
-            </a:r>
-            <a:br/>
-            <a:r>
-              <a:t>• READ: "Shoemaker, stick to thy last!... better do one thing supremely well than many badly." — 12&amp;12, p. 150</a:t>
-            </a:r>
-            <a:br/>
-            <a:br/>
-            <a:r>
-              <a:t>GROUP ACTIVITY (5 min): "Which of these five Traditions has your home group struggled with most? Share with your table and identify one concrete example."</a:t>
-            </a:r>
-            <a:br/>
-            <a:br/>
-            <a:r>
-              <a:t>--- ADDITIONAL TALKING POINTS (from interactive version) ---</a:t>
-            </a:r>
-            <a:br/>
-            <a:br/>
-            <a:r>
-              <a:t>Click each tradition card on screen to expand. TRADITION 1 — UNITY: READ 12&amp;12 p.129. 'This isn't abstract. When your group is divided by personality conflicts, people stop coming. Newcomers don't feel welcome. The group dies. When a group dies, people die.' TRADITION 2 — GROUP CONSCIENCE: READ AA Comes of Age p.99. 'Even Bill W. submitted to group conscience. We'll see a powerful example next section.' TRADITION 3 — MEMBERSHIP: 'The only requirement is DESIRE. Not sobriety. Not belief in God. Not good behavior. Your home group cannot kick someone out for relapsing, being difficult, or having different beliefs. That's hard. And essential.' TRADITION 4 — AUTONOMY: 'That's why no two home groups are alike. Big Book meetings, speaker meetings, step studies, candlelight meetings — each reflects Tradition Four.' TRADITION 5 — PRIMARY PURPOSE: READ 12&amp;12 p.150. 'When your group drifts into therapy discussions, politics, or relationship advice, Tradition Five is the compass. We have ONE job.' GROUP ACTIVITY (5 min timer): 'Which Tradition has your home group STRUGGLED with most? Share at your table, identify one concrete example.' 2-3 tables report back. TRANSITION: 'Tradition Two introduced group conscience. Let's see how it actually works.'</a:t>
+            <a:r>
+              <a:rPr lang="en-US" dirty="0"/>
+              <a:t>PRESENTER NOTES — SLIDE 8: TWELVE TRADITIONS &amp; HOME GROUP
+Walk through each Tradition:
+Tradition 1 — Unity:
+• READ: "Each member of AA is but a small part of a great whole." — Long Form
+• "Without unity, the heart of AA would cease to beat." — 12&amp;12, p. 129
+Tradition 2 — Group Conscience:
+• "Harder still to accept was the now proven fact that the conscience of the group, when properly informed, was often wiser than any leader." — AA Comes of Age, p. 99
+Tradition 3 — Membership:
+• "You are an AA member if you say so. You can declare yourself in; nobody can keep you out."
+Tradition 4 — Autonomy:
+• "This allows each home group to develop its own character while maintaining connection to AA's principles."
+Tradition 5 — Primary Purpose:
+• READ: "Shoemaker, stick to thy last!... better do one thing supremely well than many badly." — 12&amp;12, p. 150
+GROUP ACTIVITY (5 min): "Which of these five Traditions has your home group struggled with most? Share with your table and identify one concrete example."</a:t>
             </a:r>
             <a:endParaRPr lang="en-US" dirty="0"/>
           </a:p>
@@ -5771,9 +5353,6 @@
   <p:clrMapOvr>
     <a:masterClrMapping/>
   </p:clrMapOvr>
-  <p:transition spd="med" advClick="1">
-    <p:fade thruBlk="1"/>
-  </p:transition>
 </p:sld>
 </file>
 
@@ -6563,9 +6142,6 @@
   <p:clrMapOvr>
     <a:masterClrMapping/>
   </p:clrMapOvr>
-  <p:transition spd="med" advClick="1">
-    <p:fade thruBlk="1"/>
-  </p:transition>
 </p:sld>
 </file>
 
@@ -7573,9 +7149,6 @@
   <p:clrMapOvr>
     <a:masterClrMapping/>
   </p:clrMapOvr>
-  <p:transition spd="med" advClick="1">
-    <p:fade thruBlk="1"/>
-  </p:transition>
 </p:sld>
 </file>
 
@@ -8382,9 +7955,6 @@
   <p:clrMapOvr>
     <a:masterClrMapping/>
   </p:clrMapOvr>
-  <p:transition spd="med" advClick="1">
-    <p:fade thruBlk="1"/>
-  </p:transition>
 </p:sld>
 </file>
 
@@ -8868,158 +8438,11 @@
           </a:p>
         </p:txBody>
       </p:sp>
-      <p:sp>
-        <p:nvSpPr>
-          <p:cNvPr id="15" name="TextBox 14"/>
-          <p:cNvSpPr txBox="1"/>
-          <p:nvPr/>
-        </p:nvSpPr>
-        <p:spPr>
-          <a:xfrm>
-            <a:off x="457200" y="3291840"/>
-            <a:ext cx="8229600" cy="502920"/>
-          </a:xfrm>
-          <a:prstGeom prst="rect">
-            <a:avLst/>
-          </a:prstGeom>
-          <a:noFill/>
-        </p:spPr>
-        <p:txBody>
-          <a:bodyPr wrap="square">
-            <a:spAutoFit/>
-          </a:bodyPr>
-          <a:lstStyle/>
-          <a:p>
-            <a:pPr algn="l"/>
-            <a:r>
-              <a:rPr sz="850" b="0" i="1">
-                <a:solidFill>
-                  <a:srgbClr val="99AABB"/>
-                </a:solidFill>
-                <a:latin typeface="Calibri"/>
-              </a:rPr>
-              <a:t>"We have a way out on which we can absolutely agree, and upon which we can join in brotherly and harmonious action."
-— Big Book, p. 17</a:t>
-            </a:r>
-          </a:p>
-        </p:txBody>
-      </p:sp>
-      <p:sp>
-        <p:nvSpPr>
-          <p:cNvPr id="16" name="TextBox 15"/>
-          <p:cNvSpPr txBox="1"/>
-          <p:nvPr/>
-        </p:nvSpPr>
-        <p:spPr>
-          <a:xfrm>
-            <a:off x="457200" y="3794760"/>
-            <a:ext cx="8229600" cy="502920"/>
-          </a:xfrm>
-          <a:prstGeom prst="rect">
-            <a:avLst/>
-          </a:prstGeom>
-          <a:noFill/>
-        </p:spPr>
-        <p:txBody>
-          <a:bodyPr wrap="square">
-            <a:spAutoFit/>
-          </a:bodyPr>
-          <a:lstStyle/>
-          <a:p>
-            <a:pPr algn="l"/>
-            <a:r>
-              <a:rPr sz="850" b="0" i="1">
-                <a:solidFill>
-                  <a:srgbClr val="99AABB"/>
-                </a:solidFill>
-                <a:latin typeface="Calibri"/>
-              </a:rPr>
-              <a:t>"No satisfaction has been deeper and no joy greater than in a Twelfth Step job well done. To watch the eyes of men and women open with wonder as they move from darkness into light..."
-— As Bill Sees It, p. 29</a:t>
-            </a:r>
-          </a:p>
-        </p:txBody>
-      </p:sp>
-      <p:sp>
-        <p:nvSpPr>
-          <p:cNvPr id="17" name="TextBox 16"/>
-          <p:cNvSpPr txBox="1"/>
-          <p:nvPr/>
-        </p:nvSpPr>
-        <p:spPr>
-          <a:xfrm>
-            <a:off x="457200" y="4297680"/>
-            <a:ext cx="8229600" cy="502920"/>
-          </a:xfrm>
-          <a:prstGeom prst="rect">
-            <a:avLst/>
-          </a:prstGeom>
-          <a:noFill/>
-        </p:spPr>
-        <p:txBody>
-          <a:bodyPr wrap="square">
-            <a:spAutoFit/>
-          </a:bodyPr>
-          <a:lstStyle/>
-          <a:p>
-            <a:pPr algn="l"/>
-            <a:r>
-              <a:rPr sz="850" b="0" i="1">
-                <a:solidFill>
-                  <a:srgbClr val="99AABB"/>
-                </a:solidFill>
-                <a:latin typeface="Calibri"/>
-              </a:rPr>
-              <a:t>"Abandon yourself to God as you understand God. Admit your faults to Him and to your fellows. Clear away the wreckage of your past. Give freely of what you find and join us."
-— Big Book, p. 164 — The Great Invitation</a:t>
-            </a:r>
-          </a:p>
-        </p:txBody>
-      </p:sp>
-      <p:sp>
-        <p:nvSpPr>
-          <p:cNvPr id="18" name="TextBox 17"/>
-          <p:cNvSpPr txBox="1"/>
-          <p:nvPr/>
-        </p:nvSpPr>
-        <p:spPr>
-          <a:xfrm>
-            <a:off x="457200" y="4800600"/>
-            <a:ext cx="8229600" cy="502920"/>
-          </a:xfrm>
-          <a:prstGeom prst="rect">
-            <a:avLst/>
-          </a:prstGeom>
-          <a:noFill/>
-        </p:spPr>
-        <p:txBody>
-          <a:bodyPr wrap="square">
-            <a:spAutoFit/>
-          </a:bodyPr>
-          <a:lstStyle/>
-          <a:p>
-            <a:pPr algn="l"/>
-            <a:r>
-              <a:rPr sz="850" b="0" i="1">
-                <a:solidFill>
-                  <a:srgbClr val="99AABB"/>
-                </a:solidFill>
-                <a:latin typeface="Calibri"/>
-              </a:rPr>
-              <a:t>"It is the great paradox of A.A. that we know we can seldom keep the precious gift of sobriety unless we give it away."
-— 12&amp;12, p. 151</a:t>
-            </a:r>
-          </a:p>
-        </p:txBody>
-      </p:sp>
     </p:spTree>
   </p:cSld>
   <p:clrMapOvr>
     <a:masterClrMapping/>
   </p:clrMapOvr>
-  <p:transition spd="med" advClick="1">
-    <p:fade thruBlk="1"/>
-  </p:transition>
 </p:sld>
 </file>
 
@@ -10313,100 +9736,11 @@
           </a:graphicData>
         </a:graphic>
       </p:graphicFrame>
-      <p:sp>
-        <p:nvSpPr>
-          <p:cNvPr id="16" name="TextBox 15"/>
-          <p:cNvSpPr txBox="1"/>
-          <p:nvPr/>
-        </p:nvSpPr>
-        <p:spPr>
-          <a:xfrm>
-            <a:off x="274320" y="1645920"/>
-            <a:ext cx="8595360" cy="2286000"/>
-          </a:xfrm>
-          <a:prstGeom prst="rect">
-            <a:avLst/>
-          </a:prstGeom>
-          <a:noFill/>
-        </p:spPr>
-        <p:txBody>
-          <a:bodyPr wrap="square">
-            <a:spAutoFit/>
-          </a:bodyPr>
-          <a:lstStyle/>
-          <a:p>
-            <a:pPr algn="l"/>
-            <a:r>
-              <a:rPr sz="850" b="0" i="0">
-                <a:solidFill>
-                  <a:srgbClr val="99AABB"/>
-                </a:solidFill>
-                <a:latin typeface="Calibri"/>
-              </a:rPr>
-              <a:t>COMPLETE LITERATURE REFERENCE:
-• Big Book: pp. 17, 89, 97, 100, 164 — Fellowship, service, invitation
-• 12 Steps &amp; 12 Traditions: pp. 106-125, 129-154, 189 — Step 12, Traditions
-• P-16 'The A.A. Group': pp. 12-16, 18-30 — Definition, membership, service
-• P-15 'Sponsorship Q&amp;A': pp. 7-8, 12, 23-26 — Home group connection
-• As Bill Sees It: pp. 9, 29, 50, 90, 117 — Groups, service, loneliness
-• AA Service Manual: Ch. 1-2, pp. S1, S15, S25-31 — Structure, GSR role
-• Living Sober: pp. 12-17, 75-81 — Getting active, trying meetings
-• AA Comes of Age: pp. 99, 101, 163 — Group conscience, history
-• Dr. Bob &amp; Good Oldtimers: pp. 101, 144, 167, 338 — Early groups
-• Grapevine 'Home Group: Heartbeat' — Stories, service, traditions
-• Twelve Concepts: Concept I — Ultimate authority in Fellowship</a:t>
-            </a:r>
-          </a:p>
-        </p:txBody>
-      </p:sp>
-      <p:sp>
-        <p:nvSpPr>
-          <p:cNvPr id="17" name="TextBox 16"/>
-          <p:cNvSpPr txBox="1"/>
-          <p:nvPr/>
-        </p:nvSpPr>
-        <p:spPr>
-          <a:xfrm>
-            <a:off x="274320" y="3840480"/>
-            <a:ext cx="8595360" cy="1188720"/>
-          </a:xfrm>
-          <a:prstGeom prst="rect">
-            <a:avLst/>
-          </a:prstGeom>
-          <a:noFill/>
-        </p:spPr>
-        <p:txBody>
-          <a:bodyPr wrap="square">
-            <a:spAutoFit/>
-          </a:bodyPr>
-          <a:lstStyle/>
-          <a:p>
-            <a:pPr algn="l"/>
-            <a:r>
-              <a:rPr sz="900" b="0" i="1">
-                <a:solidFill>
-                  <a:srgbClr val="D4A84B"/>
-                </a:solidFill>
-                <a:latin typeface="Calibri"/>
-              </a:rPr>
-              <a:t>CLOSING ACTIVITY — Personal Commitment:
-What is ONE action you will take THIS WEEK to strengthen your home group connection?
-If you don't have a home group, what meeting will you visit this week?
-"I am responsible. When anyone, anywhere, reaches out for help,
-I want the hand of A.A. always to be there. And for that: I am responsible."
-— The Responsibility Statement (1965)</a:t>
-            </a:r>
-          </a:p>
-        </p:txBody>
-      </p:sp>
     </p:spTree>
   </p:cSld>
   <p:clrMapOvr>
     <a:masterClrMapping/>
   </p:clrMapOvr>
-  <p:transition spd="med" advClick="1">
-    <p:fade thruBlk="1"/>
-  </p:transition>
 </p:sld>
 </file>
 
@@ -11066,54 +10400,11 @@
           </a:p>
         </p:txBody>
       </p:sp>
-      <p:sp>
-        <p:nvSpPr>
-          <p:cNvPr id="22" name="TextBox 21"/>
-          <p:cNvSpPr txBox="1"/>
-          <p:nvPr/>
-        </p:nvSpPr>
-        <p:spPr>
-          <a:xfrm>
-            <a:off x="274320" y="2286000"/>
-            <a:ext cx="8595360" cy="2743200"/>
-          </a:xfrm>
-          <a:prstGeom prst="rect">
-            <a:avLst/>
-          </a:prstGeom>
-          <a:noFill/>
-        </p:spPr>
-        <p:txBody>
-          <a:bodyPr wrap="square">
-            <a:spAutoFit/>
-          </a:bodyPr>
-          <a:lstStyle/>
-          <a:p>
-            <a:pPr algn="l"/>
-            <a:r>
-              <a:rPr sz="800" b="0" i="0">
-                <a:solidFill>
-                  <a:srgbClr val="99AABB"/>
-                </a:solidFill>
-                <a:latin typeface="Calibri"/>
-              </a:rPr>
-              <a:t>ADDITIONAL SCENARIOS:
-The Money Question: Group has $3,000 in treasury. Members disagree on whether to donate to intergroup, keep a larger prudent reserve, or split between district, NETA 65, and GSO. What does Tradition 7 say? What is a 'prudent reserve'?
-The Online Question: Since the pandemic, group has Zoom option. Should it be permanent? Some say 'real AA' is in person only. What does Tradition 4 say about autonomy?
-The Anonymity Break: A member posts a meeting photo on social media, tagging others by name. Some upset, others say 'relax.' What do Traditions 11 and 12 say?
-The Crosstalk Debate: Group has 'no crosstalk' guideline. A newer member says it feels cold — wants real dialogue. Old-timer says it protects vulnerable members. Is it a Tradition or a guideline? How does Tradition 4 apply?
-The Dying Group: Once had 30 members, now averages 6. All old-timers, no newcomers. Lease is expensive. Should they close? What about the alcoholic who might walk in next week?</a:t>
-            </a:r>
-          </a:p>
-        </p:txBody>
-      </p:sp>
     </p:spTree>
   </p:cSld>
   <p:clrMapOvr>
     <a:masterClrMapping/>
   </p:clrMapOvr>
-  <p:transition spd="med" advClick="1">
-    <p:fade thruBlk="1"/>
-  </p:transition>
 </p:sld>
 </file>
 
@@ -11541,9 +10832,6 @@
   <p:clrMapOvr>
     <a:masterClrMapping/>
   </p:clrMapOvr>
-  <p:transition spd="med" advClick="1">
-    <p:fade thruBlk="1"/>
-  </p:transition>
 </p:sld>
 </file>
 
@@ -12174,9 +11462,6 @@
   <p:clrMapOvr>
     <a:masterClrMapping/>
   </p:clrMapOvr>
-  <p:transition spd="med" advClick="1">
-    <p:fade thruBlk="1"/>
-  </p:transition>
 </p:sld>
 </file>
 
@@ -13633,9 +12918,6 @@
   <p:clrMapOvr>
     <a:masterClrMapping/>
   </p:clrMapOvr>
-  <p:transition spd="med" advClick="1">
-    <p:fade thruBlk="1"/>
-  </p:transition>
 </p:sld>
 </file>
 
@@ -14408,9 +13690,6 @@
   <p:clrMapOvr>
     <a:masterClrMapping/>
   </p:clrMapOvr>
-  <p:transition spd="med" advClick="1">
-    <p:fade thruBlk="1"/>
-  </p:transition>
 </p:sld>
 </file>
 
@@ -15058,9 +14337,6 @@
   <p:clrMapOvr>
     <a:masterClrMapping/>
   </p:clrMapOvr>
-  <p:transition spd="med" advClick="1">
-    <p:fade thruBlk="1"/>
-  </p:transition>
 </p:sld>
 </file>
 
@@ -16014,9 +15290,6 @@
   <p:clrMapOvr>
     <a:masterClrMapping/>
   </p:clrMapOvr>
-  <p:transition spd="med" advClick="1">
-    <p:fade thruBlk="1"/>
-  </p:transition>
 </p:sld>
 </file>
 
@@ -16642,9 +15915,6 @@
   <p:clrMapOvr>
     <a:masterClrMapping/>
   </p:clrMapOvr>
-  <p:transition spd="med" advClick="1">
-    <p:fade thruBlk="1"/>
-  </p:transition>
 </p:sld>
 </file>
 
@@ -17640,9 +16910,6 @@
   <p:clrMapOvr>
     <a:masterClrMapping/>
   </p:clrMapOvr>
-  <p:transition spd="med" advClick="1">
-    <p:fade thruBlk="1"/>
-  </p:transition>
 </p:sld>
 </file>
 
@@ -18552,53 +17819,11 @@
           </a:p>
         </p:txBody>
       </p:sp>
-      <p:sp>
-        <p:nvSpPr>
-          <p:cNvPr id="30" name="TextBox 29"/>
-          <p:cNvSpPr txBox="1"/>
-          <p:nvPr/>
-        </p:nvSpPr>
-        <p:spPr>
-          <a:xfrm>
-            <a:off x="274320" y="3200400"/>
-            <a:ext cx="8595360" cy="1828800"/>
-          </a:xfrm>
-          <a:prstGeom prst="rect">
-            <a:avLst/>
-          </a:prstGeom>
-          <a:noFill/>
-        </p:spPr>
-        <p:txBody>
-          <a:bodyPr wrap="square">
-            <a:spAutoFit/>
-          </a:bodyPr>
-          <a:lstStyle/>
-          <a:p>
-            <a:pPr algn="l"/>
-            <a:r>
-              <a:rPr sz="900" b="0" i="0">
-                <a:solidFill>
-                  <a:srgbClr val="99AABB"/>
-                </a:solidFill>
-                <a:latin typeface="Calibri"/>
-              </a:rPr>
-              <a:t>MORE TRIVIA:
-What is 'Jake Leg' and who at Dallas Central Office had it?
-→ Jamaica Ginger Paralysis — caused by toxic Prohibition-era alcohol. Dick P., the first Central Office manager, suffered from it.
-What article quadrupled AA membership — and directly led to Dallas AA's founding?
-→ Jack Alexander's Saturday Evening Post article (March 1, 1941). Esther E.'s husband read it, gave her an ultimatum, and she contacted GSO.</a:t>
-            </a:r>
-          </a:p>
-        </p:txBody>
-      </p:sp>
     </p:spTree>
   </p:cSld>
   <p:clrMapOvr>
     <a:masterClrMapping/>
   </p:clrMapOvr>
-  <p:transition spd="med" advClick="1">
-    <p:fade thruBlk="1"/>
-  </p:transition>
 </p:sld>
 </file>
 
@@ -19388,9 +18613,6 @@
   <p:clrMapOvr>
     <a:masterClrMapping/>
   </p:clrMapOvr>
-  <p:transition spd="med" advClick="1">
-    <p:fade thruBlk="1"/>
-  </p:transition>
 </p:sld>
 </file>
 
@@ -19692,9 +18914,6 @@
   <p:clrMapOvr>
     <a:masterClrMapping/>
   </p:clrMapOvr>
-  <p:transition spd="med" advClick="1">
-    <p:fade thruBlk="1"/>
-  </p:transition>
 </p:sld>
 </file>
 
@@ -20474,53 +19693,11 @@
           </a:p>
         </p:txBody>
       </p:sp>
-      <p:sp>
-        <p:nvSpPr>
-          <p:cNvPr id="24" name="TextBox 23"/>
-          <p:cNvSpPr txBox="1"/>
-          <p:nvPr/>
-        </p:nvSpPr>
-        <p:spPr>
-          <a:xfrm>
-            <a:off x="274320" y="2926080"/>
-            <a:ext cx="8595360" cy="2103120"/>
-          </a:xfrm>
-          <a:prstGeom prst="rect">
-            <a:avLst/>
-          </a:prstGeom>
-          <a:noFill/>
-        </p:spPr>
-        <p:txBody>
-          <a:bodyPr wrap="square">
-            <a:spAutoFit/>
-          </a:bodyPr>
-          <a:lstStyle/>
-          <a:p>
-            <a:pPr algn="l"/>
-            <a:r>
-              <a:rPr sz="900" b="0" i="0">
-                <a:solidFill>
-                  <a:srgbClr val="99AABB"/>
-                </a:solidFill>
-                <a:latin typeface="Calibri"/>
-              </a:rPr>
-              <a:t>What Anonymity Is NOT:
-✗ NOT secrecy within the fellowship — we share openly within AA. First names are for humility, not hiding.
-✗ NOT that you can't tell anyone — many members are open with family, friends, employers. Anonymity is about PUBLIC media, not private conversations.
-✗ NOT a loophole for bad behavior — group conscience can address misconduct. Anonymity protects AA's public reputation, not individual behavior within the fellowship.
-"The spiritual substance of anonymity is sacrifice." — Bill W., AA Grapevine, Jan 1955</a:t>
-            </a:r>
-          </a:p>
-        </p:txBody>
-      </p:sp>
     </p:spTree>
   </p:cSld>
   <p:clrMapOvr>
     <a:masterClrMapping/>
   </p:clrMapOvr>
-  <p:transition spd="med" advClick="1">
-    <p:fade thruBlk="1"/>
-  </p:transition>
 </p:sld>
 </file>
 
@@ -21583,9 +20760,6 @@
   <p:clrMapOvr>
     <a:masterClrMapping/>
   </p:clrMapOvr>
-  <p:transition spd="med" advClick="1">
-    <p:fade thruBlk="1"/>
-  </p:transition>
 </p:sld>
 </file>
 
@@ -22387,9 +21561,6 @@
   <p:clrMapOvr>
     <a:masterClrMapping/>
   </p:clrMapOvr>
-  <p:transition spd="med" advClick="1">
-    <p:fade thruBlk="1"/>
-  </p:transition>
 </p:sld>
 </file>
 
@@ -23158,9 +22329,6 @@
   <p:clrMapOvr>
     <a:masterClrMapping/>
   </p:clrMapOvr>
-  <p:transition spd="med" advClick="1">
-    <p:fade thruBlk="1"/>
-  </p:transition>
 </p:sld>
 </file>
 
@@ -24102,9 +23270,6 @@
   <p:clrMapOvr>
     <a:masterClrMapping/>
   </p:clrMapOvr>
-  <p:transition spd="med" advClick="1">
-    <p:fade thruBlk="1"/>
-  </p:transition>
 </p:sld>
 </file>
 
@@ -24862,9 +24027,6 @@
   <p:clrMapOvr>
     <a:masterClrMapping/>
   </p:clrMapOvr>
-  <p:transition spd="med" advClick="1">
-    <p:fade thruBlk="1"/>
-  </p:transition>
 </p:sld>
 </file>
 
@@ -25746,9 +24908,6 @@
   <p:clrMapOvr>
     <a:masterClrMapping/>
   </p:clrMapOvr>
-  <p:transition spd="med" advClick="1">
-    <p:fade thruBlk="1"/>
-  </p:transition>
 </p:sld>
 </file>
 
@@ -26464,9 +25623,6 @@
   <p:clrMapOvr>
     <a:masterClrMapping/>
   </p:clrMapOvr>
-  <p:transition spd="med" advClick="1">
-    <p:fade thruBlk="1"/>
-  </p:transition>
 </p:sld>
 </file>
 
@@ -27381,9 +26537,6 @@
   <p:clrMapOvr>
     <a:masterClrMapping/>
   </p:clrMapOvr>
-  <p:transition spd="med" advClick="1">
-    <p:fade thruBlk="1"/>
-  </p:transition>
 </p:sld>
 </file>
 
@@ -28104,9 +27257,6 @@
   <p:clrMapOvr>
     <a:masterClrMapping/>
   </p:clrMapOvr>
-  <p:transition spd="med" advClick="1">
-    <p:fade thruBlk="1"/>
-  </p:transition>
 </p:sld>
 </file>
 
@@ -29038,9 +28188,6 @@
   <p:clrMapOvr>
     <a:masterClrMapping/>
   </p:clrMapOvr>
-  <p:transition spd="med" advClick="1">
-    <p:fade thruBlk="1"/>
-  </p:transition>
 </p:sld>
 </file>
 
@@ -29522,103 +28669,11 @@
           </a:p>
         </p:txBody>
       </p:sp>
-      <p:sp>
-        <p:nvSpPr>
-          <p:cNvPr id="12" name="TextBox 11"/>
-          <p:cNvSpPr txBox="1"/>
-          <p:nvPr/>
-        </p:nvSpPr>
-        <p:spPr>
-          <a:xfrm>
-            <a:off x="274320" y="2743200"/>
-            <a:ext cx="4114800" cy="1828800"/>
-          </a:xfrm>
-          <a:prstGeom prst="rect">
-            <a:avLst/>
-          </a:prstGeom>
-          <a:noFill/>
-        </p:spPr>
-        <p:txBody>
-          <a:bodyPr wrap="square">
-            <a:spAutoFit/>
-          </a:bodyPr>
-          <a:lstStyle/>
-          <a:p>
-            <a:pPr algn="l"/>
-            <a:r>
-              <a:rPr sz="850" b="0" i="0">
-                <a:solidFill>
-                  <a:srgbClr val="99AABB"/>
-                </a:solidFill>
-                <a:latin typeface="Calibri"/>
-              </a:rPr>
-              <a:t>ESSENTIAL LITERATURE ON ANONYMITY:
-• 12&amp;12: Traditions 11 (pp. 180-183) &amp; 12 (pp. 184-187)
-• Big Book: Foreword, 'Working With Others' (pp. 89-103)
-• 'Understanding Anonymity' Pamphlet (22 pages)
-• AA Comes of Age: Anonymity chapter (pp. 135-141)
-• 'Anonymity Online' GSO Bulletin (available at aa.org)
-• The Language of the Heart: pp. 67-72
-• Pass It On: pp. 282-283, 335-337</a:t>
-            </a:r>
-          </a:p>
-        </p:txBody>
-      </p:sp>
-      <p:sp>
-        <p:nvSpPr>
-          <p:cNvPr id="13" name="TextBox 12"/>
-          <p:cNvSpPr txBox="1"/>
-          <p:nvPr/>
-        </p:nvSpPr>
-        <p:spPr>
-          <a:xfrm>
-            <a:off x="4572000" y="2743200"/>
-            <a:ext cx="4297680" cy="2286000"/>
-          </a:xfrm>
-          <a:prstGeom prst="rect">
-            <a:avLst/>
-          </a:prstGeom>
-          <a:noFill/>
-        </p:spPr>
-        <p:txBody>
-          <a:bodyPr wrap="square">
-            <a:spAutoFit/>
-          </a:bodyPr>
-          <a:lstStyle/>
-          <a:p>
-            <a:pPr algn="l"/>
-            <a:r>
-              <a:rPr sz="850" b="0" i="0">
-                <a:solidFill>
-                  <a:srgbClr val="99AABB"/>
-                </a:solidFill>
-                <a:latin typeface="Calibri"/>
-              </a:rPr>
-              <a:t>ACTION ITEMS — Bring It Back:
-This Week:
-• Review your social media for potential breaks
-• Read Traditions 11 &amp; 12
-• Discuss anonymity with your sponsor
-This Month:
-• Propose Traditions meeting on anonymity
-• Suggest technology policy if your group lacks one
-• Volunteer for PI committee
-This Year:
-• Serve without seeking credit
-• Place principles before personalities
-• Model anonymity for those you sponsor</a:t>
-            </a:r>
-          </a:p>
-        </p:txBody>
-      </p:sp>
     </p:spTree>
   </p:cSld>
   <p:clrMapOvr>
     <a:masterClrMapping/>
   </p:clrMapOvr>
-  <p:transition spd="med" advClick="1">
-    <p:fade thruBlk="1"/>
-  </p:transition>
 </p:sld>
 </file>
 
@@ -30283,9 +29338,6 @@
   <p:clrMapOvr>
     <a:masterClrMapping/>
   </p:clrMapOvr>
-  <p:transition spd="med" advClick="1">
-    <p:fade thruBlk="1"/>
-  </p:transition>
 </p:sld>
 </file>
 
@@ -30979,9 +30031,6 @@
   <p:clrMapOvr>
     <a:masterClrMapping/>
   </p:clrMapOvr>
-  <p:transition spd="med" advClick="1">
-    <p:fade thruBlk="1"/>
-  </p:transition>
 </p:sld>
 </file>
 
@@ -31646,9 +30695,6 @@
   <p:clrMapOvr>
     <a:masterClrMapping/>
   </p:clrMapOvr>
-  <p:transition spd="med" advClick="1">
-    <p:fade thruBlk="1"/>
-  </p:transition>
 </p:sld>
 </file>
 
@@ -33161,136 +32207,11 @@
           </a:graphicData>
         </a:graphic>
       </p:graphicFrame>
-      <p:sp>
-        <p:nvSpPr>
-          <p:cNvPr id="9" name="TextBox 8"/>
-          <p:cNvSpPr txBox="1"/>
-          <p:nvPr/>
-        </p:nvSpPr>
-        <p:spPr>
-          <a:xfrm>
-            <a:off x="457200" y="2560320"/>
-            <a:ext cx="4114800" cy="2286000"/>
-          </a:xfrm>
-          <a:prstGeom prst="rect">
-            <a:avLst/>
-          </a:prstGeom>
-          <a:noFill/>
-        </p:spPr>
-        <p:txBody>
-          <a:bodyPr wrap="square">
-            <a:spAutoFit/>
-          </a:bodyPr>
-          <a:lstStyle/>
-          <a:p>
-            <a:pPr algn="l"/>
-            <a:r>
-              <a:rPr sz="900" b="0" i="0">
-                <a:solidFill>
-                  <a:srgbClr val="99AABB"/>
-                </a:solidFill>
-                <a:latin typeface="Calibri"/>
-              </a:rPr>
-              <a:t>What AA Group Members Do (P-16, pp. 18-19):
-• Provide and maintain a meeting place
-• Arrange programs for meetings
-• Collect and allocate Seventh Tradition contributions
-• Maintain Conference-approved literature
-• Provide Grapevine/La Viña materials
-• Offer refreshments
-• Assist alcoholics in finding meetings
-• Answer calls for help
-• Air and resolve group problems
-• Sustain contact with A.A. locally and internationally</a:t>
-            </a:r>
-          </a:p>
-        </p:txBody>
-      </p:sp>
-      <p:sp>
-        <p:nvSpPr>
-          <p:cNvPr id="10" name="TextBox 9"/>
-          <p:cNvSpPr txBox="1"/>
-          <p:nvPr/>
-        </p:nvSpPr>
-        <p:spPr>
-          <a:xfrm>
-            <a:off x="4754880" y="2560320"/>
-            <a:ext cx="4114800" cy="2286000"/>
-          </a:xfrm>
-          <a:prstGeom prst="rect">
-            <a:avLst/>
-          </a:prstGeom>
-          <a:noFill/>
-        </p:spPr>
-        <p:txBody>
-          <a:bodyPr wrap="square">
-            <a:spAutoFit/>
-          </a:bodyPr>
-          <a:lstStyle/>
-          <a:p>
-            <a:pPr algn="l"/>
-            <a:r>
-              <a:rPr sz="900" b="0" i="0">
-                <a:solidFill>
-                  <a:srgbClr val="99AABB"/>
-                </a:solidFill>
-                <a:latin typeface="Calibri"/>
-              </a:rPr>
-              <a:t>Core Service Positions (P-16, pp. 19-27):
-Chairperson — Coordinate activities (1+ yr sobriety)
-Secretary — Records, announcements (6 mo–1 yr)
-Treasurer — Manage funds/records (1–2+ yrs)
-GSR — Link to General Service Conference (2–3 yrs)
-Intergroup Rep — Link to central office (1–2 yrs)
-Additional: Grapevine Rep, Literature Rep, CPC, PI,
-Corrections, Treatment, Accessibilities liaisons</a:t>
-            </a:r>
-          </a:p>
-        </p:txBody>
-      </p:sp>
-      <p:sp>
-        <p:nvSpPr>
-          <p:cNvPr id="11" name="TextBox 10"/>
-          <p:cNvSpPr txBox="1"/>
-          <p:nvPr/>
-        </p:nvSpPr>
-        <p:spPr>
-          <a:xfrm>
-            <a:off x="457200" y="4572000"/>
-            <a:ext cx="8229600" cy="365760"/>
-          </a:xfrm>
-          <a:prstGeom prst="rect">
-            <a:avLst/>
-          </a:prstGeom>
-          <a:noFill/>
-        </p:spPr>
-        <p:txBody>
-          <a:bodyPr wrap="square">
-            <a:spAutoFit/>
-          </a:bodyPr>
-          <a:lstStyle/>
-          <a:p>
-            <a:pPr algn="l"/>
-            <a:r>
-              <a:rPr sz="900" b="0" i="1">
-                <a:solidFill>
-                  <a:srgbClr val="D4A84B"/>
-                </a:solidFill>
-                <a:latin typeface="Calibri"/>
-              </a:rPr>
-              <a:t>"In A.A., no one is 'above' or 'below' anyone else." — Living Sober, p. 15</a:t>
-            </a:r>
-          </a:p>
-        </p:txBody>
-      </p:sp>
     </p:spTree>
   </p:cSld>
   <p:clrMapOvr>
     <a:masterClrMapping/>
   </p:clrMapOvr>
-  <p:transition spd="med" advClick="1">
-    <p:fade thruBlk="1"/>
-  </p:transition>
 </p:sld>
 </file>
 
@@ -33875,9 +32796,6 @@
   <p:clrMapOvr>
     <a:masterClrMapping/>
   </p:clrMapOvr>
-  <p:transition spd="med" advClick="1">
-    <p:fade thruBlk="1"/>
-  </p:transition>
 </p:sld>
 </file>
 
@@ -34744,9 +33662,6 @@
   <p:clrMapOvr>
     <a:masterClrMapping/>
   </p:clrMapOvr>
-  <p:transition spd="med" advClick="1">
-    <p:fade thruBlk="1"/>
-  </p:transition>
 </p:sld>
 </file>
 
